--- a/01_BilimselArastimaGiris.pptx
+++ b/01_BilimselArastimaGiris.pptx
@@ -9742,7 +9742,7 @@
           <a:p>
             <a:fld id="{E940A3A2-A567-4ACD-9E38-C46AFCEC0384}" type="datetimeFigureOut">
               <a:rPr lang="tr-TR" smtClean="0"/>
-              <a:t>15.03.2023</a:t>
+              <a:t>1.03.2024</a:t>
             </a:fld>
             <a:endParaRPr lang="tr-TR"/>
           </a:p>
@@ -10894,7 +10894,7 @@
           <a:p>
             <a:fld id="{A01329B8-40E2-46A3-BA9D-13DA9012BA96}" type="datetimeFigureOut">
               <a:rPr lang="tr-TR" smtClean="0"/>
-              <a:t>15.03.2023</a:t>
+              <a:t>1.03.2024</a:t>
             </a:fld>
             <a:endParaRPr lang="tr-TR"/>
           </a:p>
@@ -11073,7 +11073,7 @@
           <a:p>
             <a:fld id="{A01329B8-40E2-46A3-BA9D-13DA9012BA96}" type="datetimeFigureOut">
               <a:rPr lang="tr-TR" smtClean="0"/>
-              <a:t>15.03.2023</a:t>
+              <a:t>1.03.2024</a:t>
             </a:fld>
             <a:endParaRPr lang="tr-TR"/>
           </a:p>
@@ -11253,7 +11253,7 @@
           <a:p>
             <a:fld id="{A01329B8-40E2-46A3-BA9D-13DA9012BA96}" type="datetimeFigureOut">
               <a:rPr lang="tr-TR" smtClean="0"/>
-              <a:t>15.03.2023</a:t>
+              <a:t>1.03.2024</a:t>
             </a:fld>
             <a:endParaRPr lang="tr-TR"/>
           </a:p>
@@ -11423,7 +11423,7 @@
           <a:p>
             <a:fld id="{A01329B8-40E2-46A3-BA9D-13DA9012BA96}" type="datetimeFigureOut">
               <a:rPr lang="tr-TR" smtClean="0"/>
-              <a:t>15.03.2023</a:t>
+              <a:t>1.03.2024</a:t>
             </a:fld>
             <a:endParaRPr lang="tr-TR"/>
           </a:p>
@@ -11736,7 +11736,7 @@
           <a:p>
             <a:fld id="{A01329B8-40E2-46A3-BA9D-13DA9012BA96}" type="datetimeFigureOut">
               <a:rPr lang="tr-TR" smtClean="0"/>
-              <a:t>15.03.2023</a:t>
+              <a:t>1.03.2024</a:t>
             </a:fld>
             <a:endParaRPr lang="tr-TR"/>
           </a:p>
@@ -12122,7 +12122,7 @@
           <a:p>
             <a:fld id="{A01329B8-40E2-46A3-BA9D-13DA9012BA96}" type="datetimeFigureOut">
               <a:rPr lang="tr-TR" smtClean="0"/>
-              <a:t>15.03.2023</a:t>
+              <a:t>1.03.2024</a:t>
             </a:fld>
             <a:endParaRPr lang="tr-TR"/>
           </a:p>
@@ -12556,7 +12556,7 @@
           <a:p>
             <a:fld id="{A01329B8-40E2-46A3-BA9D-13DA9012BA96}" type="datetimeFigureOut">
               <a:rPr lang="tr-TR" smtClean="0"/>
-              <a:t>15.03.2023</a:t>
+              <a:t>1.03.2024</a:t>
             </a:fld>
             <a:endParaRPr lang="tr-TR"/>
           </a:p>
@@ -12674,7 +12674,7 @@
           <a:p>
             <a:fld id="{A01329B8-40E2-46A3-BA9D-13DA9012BA96}" type="datetimeFigureOut">
               <a:rPr lang="tr-TR" smtClean="0"/>
-              <a:t>15.03.2023</a:t>
+              <a:t>1.03.2024</a:t>
             </a:fld>
             <a:endParaRPr lang="tr-TR"/>
           </a:p>
@@ -12769,7 +12769,7 @@
           <a:p>
             <a:fld id="{A01329B8-40E2-46A3-BA9D-13DA9012BA96}" type="datetimeFigureOut">
               <a:rPr lang="tr-TR" smtClean="0"/>
-              <a:t>15.03.2023</a:t>
+              <a:t>1.03.2024</a:t>
             </a:fld>
             <a:endParaRPr lang="tr-TR"/>
           </a:p>
@@ -13119,7 +13119,7 @@
           <a:p>
             <a:fld id="{A01329B8-40E2-46A3-BA9D-13DA9012BA96}" type="datetimeFigureOut">
               <a:rPr lang="tr-TR" smtClean="0"/>
-              <a:t>15.03.2023</a:t>
+              <a:t>1.03.2024</a:t>
             </a:fld>
             <a:endParaRPr lang="tr-TR"/>
           </a:p>
@@ -13543,7 +13543,7 @@
           <a:p>
             <a:fld id="{A01329B8-40E2-46A3-BA9D-13DA9012BA96}" type="datetimeFigureOut">
               <a:rPr lang="tr-TR" smtClean="0"/>
-              <a:t>15.03.2023</a:t>
+              <a:t>1.03.2024</a:t>
             </a:fld>
             <a:endParaRPr lang="tr-TR"/>
           </a:p>
@@ -13824,7 +13824,7 @@
           <a:p>
             <a:fld id="{A01329B8-40E2-46A3-BA9D-13DA9012BA96}" type="datetimeFigureOut">
               <a:rPr lang="tr-TR" smtClean="0"/>
-              <a:t>15.03.2023</a:t>
+              <a:t>1.03.2024</a:t>
             </a:fld>
             <a:endParaRPr lang="tr-TR"/>
           </a:p>
@@ -21451,7 +21451,35 @@
           <a:p>
             <a:r>
               <a:rPr lang="tr-TR" dirty="0" smtClean="0"/>
-              <a:t>Bir araştırmacı İngilizce alt yazılı film izlemenin öğrencilerin İngilizce konuşma performanslarını artırdığını düşünüyor.  Bu hipotezi test emek amacıyla bir araştırma desenliyor.  Araştırmasında Özel bir okulda öğrenim gören 30 tane 9. sınıf öğrencisine haftada iki gün film izletiyor. 4 ayın sonunda bu öğrencilerin konuşma becerilerini test ediyor. </a:t>
+              <a:t>Bir araştırmacı İngilizce alt yazılı film izlemenin öğrencilerin İngilizce konuşma performanslarını artırdığını düşünüyor.  Bu hipotezi test emek amacıyla bir araştırma desenliyor.  Araştırmasında </a:t>
+            </a:r>
+            <a:r>
+              <a:rPr lang="tr-TR" dirty="0" smtClean="0"/>
+              <a:t>bir </a:t>
+            </a:r>
+            <a:r>
+              <a:rPr lang="en-US" dirty="0" err="1" smtClean="0"/>
+              <a:t>devlet</a:t>
+            </a:r>
+            <a:r>
+              <a:rPr lang="en-US" dirty="0" smtClean="0"/>
+              <a:t> </a:t>
+            </a:r>
+            <a:r>
+              <a:rPr lang="tr-TR" dirty="0" smtClean="0"/>
+              <a:t>okul</a:t>
+            </a:r>
+            <a:r>
+              <a:rPr lang="en-US" smtClean="0"/>
+              <a:t>un</a:t>
+            </a:r>
+            <a:r>
+              <a:rPr lang="tr-TR" smtClean="0"/>
+              <a:t>da </a:t>
+            </a:r>
+            <a:r>
+              <a:rPr lang="tr-TR" dirty="0" smtClean="0"/>
+              <a:t>öğrenim gören 30 tane 9. sınıf öğrencisine haftada iki gün film izletiyor. 4 ayın sonunda bu öğrencilerin konuşma becerilerini test ediyor. </a:t>
             </a:r>
           </a:p>
           <a:p>
